--- a/Doc/示意图.pptx
+++ b/Doc/示意图.pptx
@@ -6,6 +6,8 @@
   </p:sldMasterIdLst>
   <p:sldIdLst>
     <p:sldId id="256" r:id="rId2"/>
+    <p:sldId id="257" r:id="rId3"/>
+    <p:sldId id="258" r:id="rId4"/>
   </p:sldIdLst>
   <p:sldSz cx="9144000" cy="6858000" type="screen4x3"/>
   <p:notesSz cx="6858000" cy="9144000"/>
@@ -3864,6 +3866,1843 @@
           </a:p>
         </p:txBody>
       </p:sp>
+    </p:spTree>
+  </p:cSld>
+  <p:clrMapOvr>
+    <a:masterClrMapping/>
+  </p:clrMapOvr>
+</p:sld>
+</file>
+
+<file path=ppt/slides/slide2.xml><?xml version="1.0" encoding="utf-8"?>
+<p:sld xmlns:a="http://schemas.openxmlformats.org/drawingml/2006/main" xmlns:r="http://schemas.openxmlformats.org/officeDocument/2006/relationships" xmlns:p="http://schemas.openxmlformats.org/presentationml/2006/main">
+  <p:cSld>
+    <p:spTree>
+      <p:nvGrpSpPr>
+        <p:cNvPr id="1" name=""/>
+        <p:cNvGrpSpPr/>
+        <p:nvPr/>
+      </p:nvGrpSpPr>
+      <p:grpSpPr>
+        <a:xfrm>
+          <a:off x="0" y="0"/>
+          <a:ext cx="0" cy="0"/>
+          <a:chOff x="0" y="0"/>
+          <a:chExt cx="0" cy="0"/>
+        </a:xfrm>
+      </p:grpSpPr>
+      <p:sp>
+        <p:nvSpPr>
+          <p:cNvPr id="4" name="TextBox 3"/>
+          <p:cNvSpPr txBox="1"/>
+          <p:nvPr/>
+        </p:nvSpPr>
+        <p:spPr>
+          <a:xfrm>
+            <a:off x="914400" y="1066800"/>
+            <a:ext cx="648383" cy="369332"/>
+          </a:xfrm>
+          <a:prstGeom prst="rect">
+            <a:avLst/>
+          </a:prstGeom>
+          <a:noFill/>
+        </p:spPr>
+        <p:txBody>
+          <a:bodyPr wrap="none" rtlCol="0">
+            <a:spAutoFit/>
+          </a:bodyPr>
+          <a:lstStyle/>
+          <a:p>
+            <a:r>
+              <a:rPr lang="en-US" altLang="zh-CN" dirty="0" smtClean="0"/>
+              <a:t>View</a:t>
+            </a:r>
+            <a:endParaRPr lang="en-US" dirty="0"/>
+          </a:p>
+        </p:txBody>
+      </p:sp>
+      <p:sp>
+        <p:nvSpPr>
+          <p:cNvPr id="5" name="TextBox 4"/>
+          <p:cNvSpPr txBox="1"/>
+          <p:nvPr/>
+        </p:nvSpPr>
+        <p:spPr>
+          <a:xfrm>
+            <a:off x="990600" y="2133600"/>
+            <a:ext cx="1310423" cy="369332"/>
+          </a:xfrm>
+          <a:prstGeom prst="rect">
+            <a:avLst/>
+          </a:prstGeom>
+          <a:noFill/>
+        </p:spPr>
+        <p:txBody>
+          <a:bodyPr wrap="none" rtlCol="0">
+            <a:spAutoFit/>
+          </a:bodyPr>
+          <a:lstStyle/>
+          <a:p>
+            <a:r>
+              <a:rPr lang="en-US" altLang="zh-CN" dirty="0" smtClean="0"/>
+              <a:t>View Model</a:t>
+            </a:r>
+            <a:endParaRPr lang="en-US" dirty="0"/>
+          </a:p>
+        </p:txBody>
+      </p:sp>
+      <p:sp>
+        <p:nvSpPr>
+          <p:cNvPr id="6" name="TextBox 5"/>
+          <p:cNvSpPr txBox="1"/>
+          <p:nvPr/>
+        </p:nvSpPr>
+        <p:spPr>
+          <a:xfrm>
+            <a:off x="152400" y="3733800"/>
+            <a:ext cx="793807" cy="369332"/>
+          </a:xfrm>
+          <a:prstGeom prst="rect">
+            <a:avLst/>
+          </a:prstGeom>
+          <a:noFill/>
+        </p:spPr>
+        <p:txBody>
+          <a:bodyPr wrap="none" rtlCol="0">
+            <a:spAutoFit/>
+          </a:bodyPr>
+          <a:lstStyle/>
+          <a:p>
+            <a:r>
+              <a:rPr lang="en-US" altLang="zh-CN" dirty="0" smtClean="0"/>
+              <a:t>Model</a:t>
+            </a:r>
+            <a:endParaRPr lang="en-US" dirty="0"/>
+          </a:p>
+        </p:txBody>
+      </p:sp>
+      <p:sp>
+        <p:nvSpPr>
+          <p:cNvPr id="7" name="TextBox 6"/>
+          <p:cNvSpPr txBox="1"/>
+          <p:nvPr/>
+        </p:nvSpPr>
+        <p:spPr>
+          <a:xfrm>
+            <a:off x="1066800" y="5410200"/>
+            <a:ext cx="1297022" cy="369332"/>
+          </a:xfrm>
+          <a:prstGeom prst="rect">
+            <a:avLst/>
+          </a:prstGeom>
+          <a:noFill/>
+        </p:spPr>
+        <p:txBody>
+          <a:bodyPr wrap="none" rtlCol="0">
+            <a:spAutoFit/>
+          </a:bodyPr>
+          <a:lstStyle/>
+          <a:p>
+            <a:r>
+              <a:rPr lang="en-US" altLang="zh-CN" dirty="0" smtClean="0"/>
+              <a:t>Data Access</a:t>
+            </a:r>
+            <a:endParaRPr lang="en-US" dirty="0"/>
+          </a:p>
+        </p:txBody>
+      </p:sp>
+      <p:cxnSp>
+        <p:nvCxnSpPr>
+          <p:cNvPr id="9" name="Straight Connector 8"/>
+          <p:cNvCxnSpPr/>
+          <p:nvPr/>
+        </p:nvCxnSpPr>
+        <p:spPr>
+          <a:xfrm>
+            <a:off x="381000" y="1676400"/>
+            <a:ext cx="8229600" cy="0"/>
+          </a:xfrm>
+          <a:prstGeom prst="line">
+            <a:avLst/>
+          </a:prstGeom>
+        </p:spPr>
+        <p:style>
+          <a:lnRef idx="1">
+            <a:schemeClr val="accent1"/>
+          </a:lnRef>
+          <a:fillRef idx="0">
+            <a:schemeClr val="accent1"/>
+          </a:fillRef>
+          <a:effectRef idx="0">
+            <a:schemeClr val="accent1"/>
+          </a:effectRef>
+          <a:fontRef idx="minor">
+            <a:schemeClr val="tx1"/>
+          </a:fontRef>
+        </p:style>
+      </p:cxnSp>
+      <p:cxnSp>
+        <p:nvCxnSpPr>
+          <p:cNvPr id="10" name="Straight Connector 9"/>
+          <p:cNvCxnSpPr/>
+          <p:nvPr/>
+        </p:nvCxnSpPr>
+        <p:spPr>
+          <a:xfrm>
+            <a:off x="457200" y="2743200"/>
+            <a:ext cx="8229600" cy="0"/>
+          </a:xfrm>
+          <a:prstGeom prst="line">
+            <a:avLst/>
+          </a:prstGeom>
+        </p:spPr>
+        <p:style>
+          <a:lnRef idx="1">
+            <a:schemeClr val="accent1"/>
+          </a:lnRef>
+          <a:fillRef idx="0">
+            <a:schemeClr val="accent1"/>
+          </a:fillRef>
+          <a:effectRef idx="0">
+            <a:schemeClr val="accent1"/>
+          </a:effectRef>
+          <a:fontRef idx="minor">
+            <a:schemeClr val="tx1"/>
+          </a:fontRef>
+        </p:style>
+      </p:cxnSp>
+      <p:cxnSp>
+        <p:nvCxnSpPr>
+          <p:cNvPr id="11" name="Straight Connector 10"/>
+          <p:cNvCxnSpPr/>
+          <p:nvPr/>
+        </p:nvCxnSpPr>
+        <p:spPr>
+          <a:xfrm>
+            <a:off x="304800" y="5181600"/>
+            <a:ext cx="8229600" cy="0"/>
+          </a:xfrm>
+          <a:prstGeom prst="line">
+            <a:avLst/>
+          </a:prstGeom>
+        </p:spPr>
+        <p:style>
+          <a:lnRef idx="1">
+            <a:schemeClr val="accent1"/>
+          </a:lnRef>
+          <a:fillRef idx="0">
+            <a:schemeClr val="accent1"/>
+          </a:fillRef>
+          <a:effectRef idx="0">
+            <a:schemeClr val="accent1"/>
+          </a:effectRef>
+          <a:fontRef idx="minor">
+            <a:schemeClr val="tx1"/>
+          </a:fontRef>
+        </p:style>
+      </p:cxnSp>
+      <p:sp>
+        <p:nvSpPr>
+          <p:cNvPr id="13" name="Rectangle 12"/>
+          <p:cNvSpPr/>
+          <p:nvPr/>
+        </p:nvSpPr>
+        <p:spPr>
+          <a:xfrm>
+            <a:off x="2971800" y="838200"/>
+            <a:ext cx="2667000" cy="457200"/>
+          </a:xfrm>
+          <a:prstGeom prst="rect">
+            <a:avLst/>
+          </a:prstGeom>
+        </p:spPr>
+        <p:style>
+          <a:lnRef idx="2">
+            <a:schemeClr val="accent1">
+              <a:shade val="50000"/>
+            </a:schemeClr>
+          </a:lnRef>
+          <a:fillRef idx="1">
+            <a:schemeClr val="accent1"/>
+          </a:fillRef>
+          <a:effectRef idx="0">
+            <a:schemeClr val="accent1"/>
+          </a:effectRef>
+          <a:fontRef idx="minor">
+            <a:schemeClr val="lt1"/>
+          </a:fontRef>
+        </p:style>
+        <p:txBody>
+          <a:bodyPr rtlCol="0" anchor="ctr"/>
+          <a:lstStyle/>
+          <a:p>
+            <a:pPr algn="ctr"/>
+            <a:r>
+              <a:rPr lang="en-US" dirty="0" smtClean="0"/>
+              <a:t>UI Operation (Button)</a:t>
+            </a:r>
+            <a:endParaRPr lang="en-US" dirty="0"/>
+          </a:p>
+        </p:txBody>
+      </p:sp>
+      <p:sp>
+        <p:nvSpPr>
+          <p:cNvPr id="14" name="TextBox 13"/>
+          <p:cNvSpPr txBox="1"/>
+          <p:nvPr/>
+        </p:nvSpPr>
+        <p:spPr>
+          <a:xfrm>
+            <a:off x="3505200" y="228600"/>
+            <a:ext cx="1101584" cy="369332"/>
+          </a:xfrm>
+          <a:prstGeom prst="rect">
+            <a:avLst/>
+          </a:prstGeom>
+          <a:noFill/>
+        </p:spPr>
+        <p:txBody>
+          <a:bodyPr wrap="none" rtlCol="0">
+            <a:spAutoFit/>
+          </a:bodyPr>
+          <a:lstStyle/>
+          <a:p>
+            <a:r>
+              <a:rPr lang="en-US" altLang="zh-CN" dirty="0" smtClean="0"/>
+              <a:t>Module A</a:t>
+            </a:r>
+            <a:endParaRPr lang="en-US" dirty="0"/>
+          </a:p>
+        </p:txBody>
+      </p:sp>
+      <p:sp>
+        <p:nvSpPr>
+          <p:cNvPr id="15" name="TextBox 14"/>
+          <p:cNvSpPr txBox="1"/>
+          <p:nvPr/>
+        </p:nvSpPr>
+        <p:spPr>
+          <a:xfrm>
+            <a:off x="7162800" y="228600"/>
+            <a:ext cx="1093569" cy="369332"/>
+          </a:xfrm>
+          <a:prstGeom prst="rect">
+            <a:avLst/>
+          </a:prstGeom>
+          <a:noFill/>
+        </p:spPr>
+        <p:txBody>
+          <a:bodyPr wrap="none" rtlCol="0">
+            <a:spAutoFit/>
+          </a:bodyPr>
+          <a:lstStyle/>
+          <a:p>
+            <a:r>
+              <a:rPr lang="en-US" altLang="zh-CN" dirty="0" smtClean="0"/>
+              <a:t>Module B</a:t>
+            </a:r>
+            <a:endParaRPr lang="en-US" dirty="0"/>
+          </a:p>
+        </p:txBody>
+      </p:sp>
+      <p:sp>
+        <p:nvSpPr>
+          <p:cNvPr id="16" name="Rectangle 15"/>
+          <p:cNvSpPr/>
+          <p:nvPr/>
+        </p:nvSpPr>
+        <p:spPr>
+          <a:xfrm>
+            <a:off x="2971800" y="1981200"/>
+            <a:ext cx="2667000" cy="457200"/>
+          </a:xfrm>
+          <a:prstGeom prst="rect">
+            <a:avLst/>
+          </a:prstGeom>
+        </p:spPr>
+        <p:style>
+          <a:lnRef idx="2">
+            <a:schemeClr val="accent1">
+              <a:shade val="50000"/>
+            </a:schemeClr>
+          </a:lnRef>
+          <a:fillRef idx="1">
+            <a:schemeClr val="accent1"/>
+          </a:fillRef>
+          <a:effectRef idx="0">
+            <a:schemeClr val="accent1"/>
+          </a:effectRef>
+          <a:fontRef idx="minor">
+            <a:schemeClr val="lt1"/>
+          </a:fontRef>
+        </p:style>
+        <p:txBody>
+          <a:bodyPr rtlCol="0" anchor="ctr"/>
+          <a:lstStyle/>
+          <a:p>
+            <a:pPr algn="ctr"/>
+            <a:r>
+              <a:rPr lang="en-US" dirty="0" smtClean="0"/>
+              <a:t>Update </a:t>
+            </a:r>
+            <a:r>
+              <a:rPr lang="en-US" altLang="zh-CN" dirty="0" smtClean="0"/>
+              <a:t>Model</a:t>
+            </a:r>
+            <a:endParaRPr lang="en-US" dirty="0"/>
+          </a:p>
+        </p:txBody>
+      </p:sp>
+      <p:sp>
+        <p:nvSpPr>
+          <p:cNvPr id="17" name="Rectangle 16"/>
+          <p:cNvSpPr/>
+          <p:nvPr/>
+        </p:nvSpPr>
+        <p:spPr>
+          <a:xfrm>
+            <a:off x="1219200" y="3429000"/>
+            <a:ext cx="2667000" cy="304800"/>
+          </a:xfrm>
+          <a:prstGeom prst="rect">
+            <a:avLst/>
+          </a:prstGeom>
+        </p:spPr>
+        <p:style>
+          <a:lnRef idx="2">
+            <a:schemeClr val="accent1">
+              <a:shade val="50000"/>
+            </a:schemeClr>
+          </a:lnRef>
+          <a:fillRef idx="1">
+            <a:schemeClr val="accent1"/>
+          </a:fillRef>
+          <a:effectRef idx="0">
+            <a:schemeClr val="accent1"/>
+          </a:effectRef>
+          <a:fontRef idx="minor">
+            <a:schemeClr val="lt1"/>
+          </a:fontRef>
+        </p:style>
+        <p:txBody>
+          <a:bodyPr rtlCol="0" anchor="ctr"/>
+          <a:lstStyle/>
+          <a:p>
+            <a:pPr algn="ctr"/>
+            <a:r>
+              <a:rPr lang="en-US" dirty="0" smtClean="0"/>
+              <a:t>Property = value</a:t>
+            </a:r>
+            <a:endParaRPr lang="en-US" dirty="0"/>
+          </a:p>
+        </p:txBody>
+      </p:sp>
+      <p:sp>
+        <p:nvSpPr>
+          <p:cNvPr id="18" name="Rectangle 17"/>
+          <p:cNvSpPr/>
+          <p:nvPr/>
+        </p:nvSpPr>
+        <p:spPr>
+          <a:xfrm>
+            <a:off x="1219200" y="4343400"/>
+            <a:ext cx="2667000" cy="304800"/>
+          </a:xfrm>
+          <a:prstGeom prst="rect">
+            <a:avLst/>
+          </a:prstGeom>
+        </p:spPr>
+        <p:style>
+          <a:lnRef idx="2">
+            <a:schemeClr val="accent1">
+              <a:shade val="50000"/>
+            </a:schemeClr>
+          </a:lnRef>
+          <a:fillRef idx="1">
+            <a:schemeClr val="accent1"/>
+          </a:fillRef>
+          <a:effectRef idx="0">
+            <a:schemeClr val="accent1"/>
+          </a:effectRef>
+          <a:fontRef idx="minor">
+            <a:schemeClr val="lt1"/>
+          </a:fontRef>
+        </p:style>
+        <p:txBody>
+          <a:bodyPr rtlCol="0" anchor="ctr"/>
+          <a:lstStyle/>
+          <a:p>
+            <a:pPr algn="ctr"/>
+            <a:r>
+              <a:rPr lang="en-US" dirty="0" err="1" smtClean="0"/>
+              <a:t>OnPropertyChanged</a:t>
+            </a:r>
+            <a:endParaRPr lang="en-US" dirty="0"/>
+          </a:p>
+        </p:txBody>
+      </p:sp>
+      <p:sp>
+        <p:nvSpPr>
+          <p:cNvPr id="19" name="Rectangle 18"/>
+          <p:cNvSpPr/>
+          <p:nvPr/>
+        </p:nvSpPr>
+        <p:spPr>
+          <a:xfrm>
+            <a:off x="4191000" y="5486400"/>
+            <a:ext cx="2667000" cy="304800"/>
+          </a:xfrm>
+          <a:prstGeom prst="rect">
+            <a:avLst/>
+          </a:prstGeom>
+        </p:spPr>
+        <p:style>
+          <a:lnRef idx="2">
+            <a:schemeClr val="accent1">
+              <a:shade val="50000"/>
+            </a:schemeClr>
+          </a:lnRef>
+          <a:fillRef idx="1">
+            <a:schemeClr val="accent1"/>
+          </a:fillRef>
+          <a:effectRef idx="0">
+            <a:schemeClr val="accent1"/>
+          </a:effectRef>
+          <a:fontRef idx="minor">
+            <a:schemeClr val="lt1"/>
+          </a:fontRef>
+        </p:style>
+        <p:txBody>
+          <a:bodyPr rtlCol="0" anchor="ctr"/>
+          <a:lstStyle/>
+          <a:p>
+            <a:pPr algn="ctr"/>
+            <a:r>
+              <a:rPr lang="en-US" dirty="0" smtClean="0"/>
+              <a:t>Data Base</a:t>
+            </a:r>
+            <a:endParaRPr lang="en-US" dirty="0"/>
+          </a:p>
+        </p:txBody>
+      </p:sp>
+      <p:sp>
+        <p:nvSpPr>
+          <p:cNvPr id="20" name="Rectangle 19"/>
+          <p:cNvSpPr/>
+          <p:nvPr/>
+        </p:nvSpPr>
+        <p:spPr>
+          <a:xfrm>
+            <a:off x="6172200" y="1981200"/>
+            <a:ext cx="2667000" cy="457200"/>
+          </a:xfrm>
+          <a:prstGeom prst="rect">
+            <a:avLst/>
+          </a:prstGeom>
+        </p:spPr>
+        <p:style>
+          <a:lnRef idx="2">
+            <a:schemeClr val="accent1">
+              <a:shade val="50000"/>
+            </a:schemeClr>
+          </a:lnRef>
+          <a:fillRef idx="1">
+            <a:schemeClr val="accent1"/>
+          </a:fillRef>
+          <a:effectRef idx="0">
+            <a:schemeClr val="accent1"/>
+          </a:effectRef>
+          <a:fontRef idx="minor">
+            <a:schemeClr val="lt1"/>
+          </a:fontRef>
+        </p:style>
+        <p:txBody>
+          <a:bodyPr rtlCol="0" anchor="ctr"/>
+          <a:lstStyle/>
+          <a:p>
+            <a:pPr algn="ctr"/>
+            <a:r>
+              <a:rPr lang="en-US" dirty="0" err="1" smtClean="0"/>
+              <a:t>OnPropertyChanged</a:t>
+            </a:r>
+            <a:endParaRPr lang="en-US" dirty="0"/>
+          </a:p>
+        </p:txBody>
+      </p:sp>
+      <p:sp>
+        <p:nvSpPr>
+          <p:cNvPr id="21" name="Rectangle 20"/>
+          <p:cNvSpPr/>
+          <p:nvPr/>
+        </p:nvSpPr>
+        <p:spPr>
+          <a:xfrm>
+            <a:off x="6172200" y="838200"/>
+            <a:ext cx="2667000" cy="457200"/>
+          </a:xfrm>
+          <a:prstGeom prst="rect">
+            <a:avLst/>
+          </a:prstGeom>
+        </p:spPr>
+        <p:style>
+          <a:lnRef idx="2">
+            <a:schemeClr val="accent1">
+              <a:shade val="50000"/>
+            </a:schemeClr>
+          </a:lnRef>
+          <a:fillRef idx="1">
+            <a:schemeClr val="accent1"/>
+          </a:fillRef>
+          <a:effectRef idx="0">
+            <a:schemeClr val="accent1"/>
+          </a:effectRef>
+          <a:fontRef idx="minor">
+            <a:schemeClr val="lt1"/>
+          </a:fontRef>
+        </p:style>
+        <p:txBody>
+          <a:bodyPr rtlCol="0" anchor="ctr"/>
+          <a:lstStyle/>
+          <a:p>
+            <a:pPr algn="ctr"/>
+            <a:r>
+              <a:rPr lang="en-US" dirty="0" smtClean="0"/>
+              <a:t>Update UI</a:t>
+            </a:r>
+            <a:endParaRPr lang="en-US" dirty="0"/>
+          </a:p>
+        </p:txBody>
+      </p:sp>
+      <p:cxnSp>
+        <p:nvCxnSpPr>
+          <p:cNvPr id="23" name="Straight Arrow Connector 22"/>
+          <p:cNvCxnSpPr>
+            <a:stCxn id="13" idx="2"/>
+            <a:endCxn id="16" idx="0"/>
+          </p:cNvCxnSpPr>
+          <p:nvPr/>
+        </p:nvCxnSpPr>
+        <p:spPr>
+          <a:xfrm>
+            <a:off x="4305300" y="1295400"/>
+            <a:ext cx="0" cy="685800"/>
+          </a:xfrm>
+          <a:prstGeom prst="straightConnector1">
+            <a:avLst/>
+          </a:prstGeom>
+          <a:ln>
+            <a:tailEnd type="arrow"/>
+          </a:ln>
+        </p:spPr>
+        <p:style>
+          <a:lnRef idx="1">
+            <a:schemeClr val="accent1"/>
+          </a:lnRef>
+          <a:fillRef idx="0">
+            <a:schemeClr val="accent1"/>
+          </a:fillRef>
+          <a:effectRef idx="0">
+            <a:schemeClr val="accent1"/>
+          </a:effectRef>
+          <a:fontRef idx="minor">
+            <a:schemeClr val="tx1"/>
+          </a:fontRef>
+        </p:style>
+      </p:cxnSp>
+      <p:cxnSp>
+        <p:nvCxnSpPr>
+          <p:cNvPr id="27" name="Straight Arrow Connector 26"/>
+          <p:cNvCxnSpPr>
+            <a:stCxn id="17" idx="2"/>
+            <a:endCxn id="18" idx="0"/>
+          </p:cNvCxnSpPr>
+          <p:nvPr/>
+        </p:nvCxnSpPr>
+        <p:spPr>
+          <a:xfrm>
+            <a:off x="2552700" y="3733800"/>
+            <a:ext cx="0" cy="609600"/>
+          </a:xfrm>
+          <a:prstGeom prst="straightConnector1">
+            <a:avLst/>
+          </a:prstGeom>
+          <a:ln>
+            <a:tailEnd type="arrow"/>
+          </a:ln>
+        </p:spPr>
+        <p:style>
+          <a:lnRef idx="1">
+            <a:schemeClr val="accent1"/>
+          </a:lnRef>
+          <a:fillRef idx="0">
+            <a:schemeClr val="accent1"/>
+          </a:fillRef>
+          <a:effectRef idx="0">
+            <a:schemeClr val="accent1"/>
+          </a:effectRef>
+          <a:fontRef idx="minor">
+            <a:schemeClr val="tx1"/>
+          </a:fontRef>
+        </p:style>
+      </p:cxnSp>
+      <p:cxnSp>
+        <p:nvCxnSpPr>
+          <p:cNvPr id="32" name="Elbow Connector 31"/>
+          <p:cNvCxnSpPr>
+            <a:stCxn id="16" idx="2"/>
+            <a:endCxn id="17" idx="0"/>
+          </p:cNvCxnSpPr>
+          <p:nvPr/>
+        </p:nvCxnSpPr>
+        <p:spPr>
+          <a:xfrm rot="5400000">
+            <a:off x="2933700" y="2057400"/>
+            <a:ext cx="990600" cy="1752600"/>
+          </a:xfrm>
+          <a:prstGeom prst="bentConnector3">
+            <a:avLst>
+              <a:gd name="adj1" fmla="val 50000"/>
+            </a:avLst>
+          </a:prstGeom>
+          <a:ln>
+            <a:tailEnd type="arrow"/>
+          </a:ln>
+        </p:spPr>
+        <p:style>
+          <a:lnRef idx="1">
+            <a:schemeClr val="accent1"/>
+          </a:lnRef>
+          <a:fillRef idx="0">
+            <a:schemeClr val="accent1"/>
+          </a:fillRef>
+          <a:effectRef idx="0">
+            <a:schemeClr val="accent1"/>
+          </a:effectRef>
+          <a:fontRef idx="minor">
+            <a:schemeClr val="tx1"/>
+          </a:fontRef>
+        </p:style>
+      </p:cxnSp>
+      <p:cxnSp>
+        <p:nvCxnSpPr>
+          <p:cNvPr id="36" name="Straight Arrow Connector 35"/>
+          <p:cNvCxnSpPr>
+            <a:stCxn id="20" idx="0"/>
+            <a:endCxn id="21" idx="2"/>
+          </p:cNvCxnSpPr>
+          <p:nvPr/>
+        </p:nvCxnSpPr>
+        <p:spPr>
+          <a:xfrm flipV="1">
+            <a:off x="7505700" y="1295400"/>
+            <a:ext cx="0" cy="685800"/>
+          </a:xfrm>
+          <a:prstGeom prst="straightConnector1">
+            <a:avLst/>
+          </a:prstGeom>
+          <a:ln>
+            <a:tailEnd type="arrow"/>
+          </a:ln>
+        </p:spPr>
+        <p:style>
+          <a:lnRef idx="1">
+            <a:schemeClr val="accent1"/>
+          </a:lnRef>
+          <a:fillRef idx="0">
+            <a:schemeClr val="accent1"/>
+          </a:fillRef>
+          <a:effectRef idx="0">
+            <a:schemeClr val="accent1"/>
+          </a:effectRef>
+          <a:fontRef idx="minor">
+            <a:schemeClr val="tx1"/>
+          </a:fontRef>
+        </p:style>
+      </p:cxnSp>
+      <p:sp>
+        <p:nvSpPr>
+          <p:cNvPr id="26" name="Oval 25"/>
+          <p:cNvSpPr/>
+          <p:nvPr/>
+        </p:nvSpPr>
+        <p:spPr>
+          <a:xfrm>
+            <a:off x="1295400" y="2971800"/>
+            <a:ext cx="2362200" cy="2133600"/>
+          </a:xfrm>
+          <a:prstGeom prst="ellipse">
+            <a:avLst/>
+          </a:prstGeom>
+          <a:noFill/>
+        </p:spPr>
+        <p:style>
+          <a:lnRef idx="2">
+            <a:schemeClr val="accent1">
+              <a:shade val="50000"/>
+            </a:schemeClr>
+          </a:lnRef>
+          <a:fillRef idx="1">
+            <a:schemeClr val="accent1"/>
+          </a:fillRef>
+          <a:effectRef idx="0">
+            <a:schemeClr val="accent1"/>
+          </a:effectRef>
+          <a:fontRef idx="minor">
+            <a:schemeClr val="lt1"/>
+          </a:fontRef>
+        </p:style>
+        <p:txBody>
+          <a:bodyPr rtlCol="0" anchor="ctr"/>
+          <a:lstStyle/>
+          <a:p>
+            <a:pPr algn="ctr"/>
+            <a:endParaRPr lang="en-US"/>
+          </a:p>
+        </p:txBody>
+      </p:sp>
+      <p:cxnSp>
+        <p:nvCxnSpPr>
+          <p:cNvPr id="30" name="Straight Arrow Connector 29"/>
+          <p:cNvCxnSpPr>
+            <a:stCxn id="16" idx="2"/>
+            <a:endCxn id="19" idx="0"/>
+          </p:cNvCxnSpPr>
+          <p:nvPr/>
+        </p:nvCxnSpPr>
+        <p:spPr>
+          <a:xfrm>
+            <a:off x="4305300" y="2438400"/>
+            <a:ext cx="1219200" cy="3048000"/>
+          </a:xfrm>
+          <a:prstGeom prst="straightConnector1">
+            <a:avLst/>
+          </a:prstGeom>
+          <a:ln>
+            <a:tailEnd type="arrow"/>
+          </a:ln>
+        </p:spPr>
+        <p:style>
+          <a:lnRef idx="1">
+            <a:schemeClr val="accent1"/>
+          </a:lnRef>
+          <a:fillRef idx="0">
+            <a:schemeClr val="accent1"/>
+          </a:fillRef>
+          <a:effectRef idx="0">
+            <a:schemeClr val="accent1"/>
+          </a:effectRef>
+          <a:fontRef idx="minor">
+            <a:schemeClr val="tx1"/>
+          </a:fontRef>
+        </p:style>
+      </p:cxnSp>
+      <p:cxnSp>
+        <p:nvCxnSpPr>
+          <p:cNvPr id="31" name="Straight Arrow Connector 30"/>
+          <p:cNvCxnSpPr>
+            <a:stCxn id="19" idx="0"/>
+            <a:endCxn id="20" idx="2"/>
+          </p:cNvCxnSpPr>
+          <p:nvPr/>
+        </p:nvCxnSpPr>
+        <p:spPr>
+          <a:xfrm flipV="1">
+            <a:off x="5524500" y="2438400"/>
+            <a:ext cx="1981200" cy="3048000"/>
+          </a:xfrm>
+          <a:prstGeom prst="straightConnector1">
+            <a:avLst/>
+          </a:prstGeom>
+          <a:ln>
+            <a:tailEnd type="arrow"/>
+          </a:ln>
+        </p:spPr>
+        <p:style>
+          <a:lnRef idx="1">
+            <a:schemeClr val="accent1"/>
+          </a:lnRef>
+          <a:fillRef idx="0">
+            <a:schemeClr val="accent1"/>
+          </a:fillRef>
+          <a:effectRef idx="0">
+            <a:schemeClr val="accent1"/>
+          </a:effectRef>
+          <a:fontRef idx="minor">
+            <a:schemeClr val="tx1"/>
+          </a:fontRef>
+        </p:style>
+      </p:cxnSp>
+    </p:spTree>
+  </p:cSld>
+  <p:clrMapOvr>
+    <a:masterClrMapping/>
+  </p:clrMapOvr>
+</p:sld>
+</file>
+
+<file path=ppt/slides/slide3.xml><?xml version="1.0" encoding="utf-8"?>
+<p:sld xmlns:a="http://schemas.openxmlformats.org/drawingml/2006/main" xmlns:r="http://schemas.openxmlformats.org/officeDocument/2006/relationships" xmlns:p="http://schemas.openxmlformats.org/presentationml/2006/main">
+  <p:cSld>
+    <p:spTree>
+      <p:nvGrpSpPr>
+        <p:cNvPr id="1" name=""/>
+        <p:cNvGrpSpPr/>
+        <p:nvPr/>
+      </p:nvGrpSpPr>
+      <p:grpSpPr>
+        <a:xfrm>
+          <a:off x="0" y="0"/>
+          <a:ext cx="0" cy="0"/>
+          <a:chOff x="0" y="0"/>
+          <a:chExt cx="0" cy="0"/>
+        </a:xfrm>
+      </p:grpSpPr>
+      <p:sp>
+        <p:nvSpPr>
+          <p:cNvPr id="4" name="TextBox 3"/>
+          <p:cNvSpPr txBox="1"/>
+          <p:nvPr/>
+        </p:nvSpPr>
+        <p:spPr>
+          <a:xfrm>
+            <a:off x="914400" y="1066800"/>
+            <a:ext cx="648383" cy="369332"/>
+          </a:xfrm>
+          <a:prstGeom prst="rect">
+            <a:avLst/>
+          </a:prstGeom>
+          <a:noFill/>
+        </p:spPr>
+        <p:txBody>
+          <a:bodyPr wrap="none" rtlCol="0">
+            <a:spAutoFit/>
+          </a:bodyPr>
+          <a:lstStyle/>
+          <a:p>
+            <a:r>
+              <a:rPr lang="en-US" altLang="zh-CN" dirty="0" smtClean="0"/>
+              <a:t>View</a:t>
+            </a:r>
+            <a:endParaRPr lang="en-US" dirty="0"/>
+          </a:p>
+        </p:txBody>
+      </p:sp>
+      <p:sp>
+        <p:nvSpPr>
+          <p:cNvPr id="5" name="TextBox 4"/>
+          <p:cNvSpPr txBox="1"/>
+          <p:nvPr/>
+        </p:nvSpPr>
+        <p:spPr>
+          <a:xfrm>
+            <a:off x="990600" y="2133600"/>
+            <a:ext cx="1310423" cy="369332"/>
+          </a:xfrm>
+          <a:prstGeom prst="rect">
+            <a:avLst/>
+          </a:prstGeom>
+          <a:noFill/>
+        </p:spPr>
+        <p:txBody>
+          <a:bodyPr wrap="none" rtlCol="0">
+            <a:spAutoFit/>
+          </a:bodyPr>
+          <a:lstStyle/>
+          <a:p>
+            <a:r>
+              <a:rPr lang="en-US" altLang="zh-CN" dirty="0" smtClean="0"/>
+              <a:t>View Model</a:t>
+            </a:r>
+            <a:endParaRPr lang="en-US" dirty="0"/>
+          </a:p>
+        </p:txBody>
+      </p:sp>
+      <p:sp>
+        <p:nvSpPr>
+          <p:cNvPr id="6" name="TextBox 5"/>
+          <p:cNvSpPr txBox="1"/>
+          <p:nvPr/>
+        </p:nvSpPr>
+        <p:spPr>
+          <a:xfrm>
+            <a:off x="1066800" y="3048000"/>
+            <a:ext cx="793807" cy="369332"/>
+          </a:xfrm>
+          <a:prstGeom prst="rect">
+            <a:avLst/>
+          </a:prstGeom>
+          <a:noFill/>
+        </p:spPr>
+        <p:txBody>
+          <a:bodyPr wrap="none" rtlCol="0">
+            <a:spAutoFit/>
+          </a:bodyPr>
+          <a:lstStyle/>
+          <a:p>
+            <a:r>
+              <a:rPr lang="en-US" altLang="zh-CN" dirty="0" smtClean="0"/>
+              <a:t>Model</a:t>
+            </a:r>
+            <a:endParaRPr lang="en-US" dirty="0"/>
+          </a:p>
+        </p:txBody>
+      </p:sp>
+      <p:sp>
+        <p:nvSpPr>
+          <p:cNvPr id="7" name="TextBox 6"/>
+          <p:cNvSpPr txBox="1"/>
+          <p:nvPr/>
+        </p:nvSpPr>
+        <p:spPr>
+          <a:xfrm>
+            <a:off x="990600" y="4191000"/>
+            <a:ext cx="1297022" cy="369332"/>
+          </a:xfrm>
+          <a:prstGeom prst="rect">
+            <a:avLst/>
+          </a:prstGeom>
+          <a:noFill/>
+        </p:spPr>
+        <p:txBody>
+          <a:bodyPr wrap="none" rtlCol="0">
+            <a:spAutoFit/>
+          </a:bodyPr>
+          <a:lstStyle/>
+          <a:p>
+            <a:r>
+              <a:rPr lang="en-US" altLang="zh-CN" dirty="0" smtClean="0"/>
+              <a:t>Data Access</a:t>
+            </a:r>
+            <a:endParaRPr lang="en-US" dirty="0"/>
+          </a:p>
+        </p:txBody>
+      </p:sp>
+      <p:cxnSp>
+        <p:nvCxnSpPr>
+          <p:cNvPr id="9" name="Straight Connector 8"/>
+          <p:cNvCxnSpPr/>
+          <p:nvPr/>
+        </p:nvCxnSpPr>
+        <p:spPr>
+          <a:xfrm>
+            <a:off x="381000" y="1676400"/>
+            <a:ext cx="8229600" cy="0"/>
+          </a:xfrm>
+          <a:prstGeom prst="line">
+            <a:avLst/>
+          </a:prstGeom>
+        </p:spPr>
+        <p:style>
+          <a:lnRef idx="1">
+            <a:schemeClr val="accent1"/>
+          </a:lnRef>
+          <a:fillRef idx="0">
+            <a:schemeClr val="accent1"/>
+          </a:fillRef>
+          <a:effectRef idx="0">
+            <a:schemeClr val="accent1"/>
+          </a:effectRef>
+          <a:fontRef idx="minor">
+            <a:schemeClr val="tx1"/>
+          </a:fontRef>
+        </p:style>
+      </p:cxnSp>
+      <p:cxnSp>
+        <p:nvCxnSpPr>
+          <p:cNvPr id="10" name="Straight Connector 9"/>
+          <p:cNvCxnSpPr/>
+          <p:nvPr/>
+        </p:nvCxnSpPr>
+        <p:spPr>
+          <a:xfrm>
+            <a:off x="457200" y="2743200"/>
+            <a:ext cx="8229600" cy="0"/>
+          </a:xfrm>
+          <a:prstGeom prst="line">
+            <a:avLst/>
+          </a:prstGeom>
+        </p:spPr>
+        <p:style>
+          <a:lnRef idx="1">
+            <a:schemeClr val="accent1"/>
+          </a:lnRef>
+          <a:fillRef idx="0">
+            <a:schemeClr val="accent1"/>
+          </a:fillRef>
+          <a:effectRef idx="0">
+            <a:schemeClr val="accent1"/>
+          </a:effectRef>
+          <a:fontRef idx="minor">
+            <a:schemeClr val="tx1"/>
+          </a:fontRef>
+        </p:style>
+      </p:cxnSp>
+      <p:cxnSp>
+        <p:nvCxnSpPr>
+          <p:cNvPr id="11" name="Straight Connector 10"/>
+          <p:cNvCxnSpPr/>
+          <p:nvPr/>
+        </p:nvCxnSpPr>
+        <p:spPr>
+          <a:xfrm>
+            <a:off x="457200" y="3962400"/>
+            <a:ext cx="8229600" cy="0"/>
+          </a:xfrm>
+          <a:prstGeom prst="line">
+            <a:avLst/>
+          </a:prstGeom>
+        </p:spPr>
+        <p:style>
+          <a:lnRef idx="1">
+            <a:schemeClr val="accent1"/>
+          </a:lnRef>
+          <a:fillRef idx="0">
+            <a:schemeClr val="accent1"/>
+          </a:fillRef>
+          <a:effectRef idx="0">
+            <a:schemeClr val="accent1"/>
+          </a:effectRef>
+          <a:fontRef idx="minor">
+            <a:schemeClr val="tx1"/>
+          </a:fontRef>
+        </p:style>
+      </p:cxnSp>
+      <p:sp>
+        <p:nvSpPr>
+          <p:cNvPr id="13" name="Rectangle 12"/>
+          <p:cNvSpPr/>
+          <p:nvPr/>
+        </p:nvSpPr>
+        <p:spPr>
+          <a:xfrm>
+            <a:off x="2971800" y="838200"/>
+            <a:ext cx="2667000" cy="457200"/>
+          </a:xfrm>
+          <a:prstGeom prst="rect">
+            <a:avLst/>
+          </a:prstGeom>
+        </p:spPr>
+        <p:style>
+          <a:lnRef idx="2">
+            <a:schemeClr val="accent1">
+              <a:shade val="50000"/>
+            </a:schemeClr>
+          </a:lnRef>
+          <a:fillRef idx="1">
+            <a:schemeClr val="accent1"/>
+          </a:fillRef>
+          <a:effectRef idx="0">
+            <a:schemeClr val="accent1"/>
+          </a:effectRef>
+          <a:fontRef idx="minor">
+            <a:schemeClr val="lt1"/>
+          </a:fontRef>
+        </p:style>
+        <p:txBody>
+          <a:bodyPr rtlCol="0" anchor="ctr"/>
+          <a:lstStyle/>
+          <a:p>
+            <a:pPr algn="ctr"/>
+            <a:r>
+              <a:rPr lang="en-US" dirty="0" smtClean="0"/>
+              <a:t>UI Operation (Button)</a:t>
+            </a:r>
+            <a:endParaRPr lang="en-US" dirty="0"/>
+          </a:p>
+        </p:txBody>
+      </p:sp>
+      <p:sp>
+        <p:nvSpPr>
+          <p:cNvPr id="14" name="TextBox 13"/>
+          <p:cNvSpPr txBox="1"/>
+          <p:nvPr/>
+        </p:nvSpPr>
+        <p:spPr>
+          <a:xfrm>
+            <a:off x="3505200" y="228600"/>
+            <a:ext cx="1101584" cy="369332"/>
+          </a:xfrm>
+          <a:prstGeom prst="rect">
+            <a:avLst/>
+          </a:prstGeom>
+          <a:noFill/>
+        </p:spPr>
+        <p:txBody>
+          <a:bodyPr wrap="none" rtlCol="0">
+            <a:spAutoFit/>
+          </a:bodyPr>
+          <a:lstStyle/>
+          <a:p>
+            <a:r>
+              <a:rPr lang="en-US" altLang="zh-CN" dirty="0" smtClean="0"/>
+              <a:t>Module A</a:t>
+            </a:r>
+            <a:endParaRPr lang="en-US" dirty="0"/>
+          </a:p>
+        </p:txBody>
+      </p:sp>
+      <p:sp>
+        <p:nvSpPr>
+          <p:cNvPr id="15" name="TextBox 14"/>
+          <p:cNvSpPr txBox="1"/>
+          <p:nvPr/>
+        </p:nvSpPr>
+        <p:spPr>
+          <a:xfrm>
+            <a:off x="7162800" y="228600"/>
+            <a:ext cx="1093569" cy="369332"/>
+          </a:xfrm>
+          <a:prstGeom prst="rect">
+            <a:avLst/>
+          </a:prstGeom>
+          <a:noFill/>
+        </p:spPr>
+        <p:txBody>
+          <a:bodyPr wrap="none" rtlCol="0">
+            <a:spAutoFit/>
+          </a:bodyPr>
+          <a:lstStyle/>
+          <a:p>
+            <a:r>
+              <a:rPr lang="en-US" altLang="zh-CN" dirty="0" smtClean="0"/>
+              <a:t>Module B</a:t>
+            </a:r>
+            <a:endParaRPr lang="en-US" dirty="0"/>
+          </a:p>
+        </p:txBody>
+      </p:sp>
+      <p:sp>
+        <p:nvSpPr>
+          <p:cNvPr id="16" name="Rectangle 15"/>
+          <p:cNvSpPr/>
+          <p:nvPr/>
+        </p:nvSpPr>
+        <p:spPr>
+          <a:xfrm>
+            <a:off x="2971800" y="1981200"/>
+            <a:ext cx="2667000" cy="457200"/>
+          </a:xfrm>
+          <a:prstGeom prst="rect">
+            <a:avLst/>
+          </a:prstGeom>
+        </p:spPr>
+        <p:style>
+          <a:lnRef idx="2">
+            <a:schemeClr val="accent1">
+              <a:shade val="50000"/>
+            </a:schemeClr>
+          </a:lnRef>
+          <a:fillRef idx="1">
+            <a:schemeClr val="accent1"/>
+          </a:fillRef>
+          <a:effectRef idx="0">
+            <a:schemeClr val="accent1"/>
+          </a:effectRef>
+          <a:fontRef idx="minor">
+            <a:schemeClr val="lt1"/>
+          </a:fontRef>
+        </p:style>
+        <p:txBody>
+          <a:bodyPr rtlCol="0" anchor="ctr"/>
+          <a:lstStyle/>
+          <a:p>
+            <a:pPr algn="ctr"/>
+            <a:r>
+              <a:rPr lang="en-US" dirty="0" smtClean="0"/>
+              <a:t>Update </a:t>
+            </a:r>
+            <a:r>
+              <a:rPr lang="en-US" altLang="zh-CN" dirty="0" smtClean="0"/>
+              <a:t>Model</a:t>
+            </a:r>
+            <a:endParaRPr lang="en-US" dirty="0"/>
+          </a:p>
+        </p:txBody>
+      </p:sp>
+      <p:sp>
+        <p:nvSpPr>
+          <p:cNvPr id="17" name="Rectangle 16"/>
+          <p:cNvSpPr/>
+          <p:nvPr/>
+        </p:nvSpPr>
+        <p:spPr>
+          <a:xfrm>
+            <a:off x="4191000" y="2895600"/>
+            <a:ext cx="2667000" cy="304800"/>
+          </a:xfrm>
+          <a:prstGeom prst="rect">
+            <a:avLst/>
+          </a:prstGeom>
+        </p:spPr>
+        <p:style>
+          <a:lnRef idx="2">
+            <a:schemeClr val="accent1">
+              <a:shade val="50000"/>
+            </a:schemeClr>
+          </a:lnRef>
+          <a:fillRef idx="1">
+            <a:schemeClr val="accent1"/>
+          </a:fillRef>
+          <a:effectRef idx="0">
+            <a:schemeClr val="accent1"/>
+          </a:effectRef>
+          <a:fontRef idx="minor">
+            <a:schemeClr val="lt1"/>
+          </a:fontRef>
+        </p:style>
+        <p:txBody>
+          <a:bodyPr rtlCol="0" anchor="ctr"/>
+          <a:lstStyle/>
+          <a:p>
+            <a:pPr algn="ctr"/>
+            <a:r>
+              <a:rPr lang="en-US" dirty="0" smtClean="0"/>
+              <a:t>Property = value</a:t>
+            </a:r>
+            <a:endParaRPr lang="en-US" dirty="0"/>
+          </a:p>
+        </p:txBody>
+      </p:sp>
+      <p:sp>
+        <p:nvSpPr>
+          <p:cNvPr id="18" name="Rectangle 17"/>
+          <p:cNvSpPr/>
+          <p:nvPr/>
+        </p:nvSpPr>
+        <p:spPr>
+          <a:xfrm>
+            <a:off x="4191000" y="3429000"/>
+            <a:ext cx="2667000" cy="304800"/>
+          </a:xfrm>
+          <a:prstGeom prst="rect">
+            <a:avLst/>
+          </a:prstGeom>
+        </p:spPr>
+        <p:style>
+          <a:lnRef idx="2">
+            <a:schemeClr val="accent1">
+              <a:shade val="50000"/>
+            </a:schemeClr>
+          </a:lnRef>
+          <a:fillRef idx="1">
+            <a:schemeClr val="accent1"/>
+          </a:fillRef>
+          <a:effectRef idx="0">
+            <a:schemeClr val="accent1"/>
+          </a:effectRef>
+          <a:fontRef idx="minor">
+            <a:schemeClr val="lt1"/>
+          </a:fontRef>
+        </p:style>
+        <p:txBody>
+          <a:bodyPr rtlCol="0" anchor="ctr"/>
+          <a:lstStyle/>
+          <a:p>
+            <a:pPr algn="ctr"/>
+            <a:r>
+              <a:rPr lang="en-US" dirty="0" err="1" smtClean="0"/>
+              <a:t>OnPropertyChanged</a:t>
+            </a:r>
+            <a:endParaRPr lang="en-US" dirty="0"/>
+          </a:p>
+        </p:txBody>
+      </p:sp>
+      <p:sp>
+        <p:nvSpPr>
+          <p:cNvPr id="19" name="Rectangle 18"/>
+          <p:cNvSpPr/>
+          <p:nvPr/>
+        </p:nvSpPr>
+        <p:spPr>
+          <a:xfrm>
+            <a:off x="4191000" y="4114800"/>
+            <a:ext cx="2667000" cy="304800"/>
+          </a:xfrm>
+          <a:prstGeom prst="rect">
+            <a:avLst/>
+          </a:prstGeom>
+        </p:spPr>
+        <p:style>
+          <a:lnRef idx="2">
+            <a:schemeClr val="accent1">
+              <a:shade val="50000"/>
+            </a:schemeClr>
+          </a:lnRef>
+          <a:fillRef idx="1">
+            <a:schemeClr val="accent1"/>
+          </a:fillRef>
+          <a:effectRef idx="0">
+            <a:schemeClr val="accent1"/>
+          </a:effectRef>
+          <a:fontRef idx="minor">
+            <a:schemeClr val="lt1"/>
+          </a:fontRef>
+        </p:style>
+        <p:txBody>
+          <a:bodyPr rtlCol="0" anchor="ctr"/>
+          <a:lstStyle/>
+          <a:p>
+            <a:pPr algn="ctr"/>
+            <a:r>
+              <a:rPr lang="en-US" dirty="0" smtClean="0"/>
+              <a:t>Repository</a:t>
+            </a:r>
+            <a:endParaRPr lang="en-US" dirty="0"/>
+          </a:p>
+        </p:txBody>
+      </p:sp>
+      <p:sp>
+        <p:nvSpPr>
+          <p:cNvPr id="20" name="Rectangle 19"/>
+          <p:cNvSpPr/>
+          <p:nvPr/>
+        </p:nvSpPr>
+        <p:spPr>
+          <a:xfrm>
+            <a:off x="6172200" y="1981200"/>
+            <a:ext cx="2667000" cy="457200"/>
+          </a:xfrm>
+          <a:prstGeom prst="rect">
+            <a:avLst/>
+          </a:prstGeom>
+        </p:spPr>
+        <p:style>
+          <a:lnRef idx="2">
+            <a:schemeClr val="accent1">
+              <a:shade val="50000"/>
+            </a:schemeClr>
+          </a:lnRef>
+          <a:fillRef idx="1">
+            <a:schemeClr val="accent1"/>
+          </a:fillRef>
+          <a:effectRef idx="0">
+            <a:schemeClr val="accent1"/>
+          </a:effectRef>
+          <a:fontRef idx="minor">
+            <a:schemeClr val="lt1"/>
+          </a:fontRef>
+        </p:style>
+        <p:txBody>
+          <a:bodyPr rtlCol="0" anchor="ctr"/>
+          <a:lstStyle/>
+          <a:p>
+            <a:pPr algn="ctr"/>
+            <a:r>
+              <a:rPr lang="en-US" dirty="0" err="1" smtClean="0"/>
+              <a:t>OnPropertyChanged</a:t>
+            </a:r>
+            <a:endParaRPr lang="en-US" dirty="0"/>
+          </a:p>
+        </p:txBody>
+      </p:sp>
+      <p:sp>
+        <p:nvSpPr>
+          <p:cNvPr id="21" name="Rectangle 20"/>
+          <p:cNvSpPr/>
+          <p:nvPr/>
+        </p:nvSpPr>
+        <p:spPr>
+          <a:xfrm>
+            <a:off x="6172200" y="838200"/>
+            <a:ext cx="2667000" cy="457200"/>
+          </a:xfrm>
+          <a:prstGeom prst="rect">
+            <a:avLst/>
+          </a:prstGeom>
+        </p:spPr>
+        <p:style>
+          <a:lnRef idx="2">
+            <a:schemeClr val="accent1">
+              <a:shade val="50000"/>
+            </a:schemeClr>
+          </a:lnRef>
+          <a:fillRef idx="1">
+            <a:schemeClr val="accent1"/>
+          </a:fillRef>
+          <a:effectRef idx="0">
+            <a:schemeClr val="accent1"/>
+          </a:effectRef>
+          <a:fontRef idx="minor">
+            <a:schemeClr val="lt1"/>
+          </a:fontRef>
+        </p:style>
+        <p:txBody>
+          <a:bodyPr rtlCol="0" anchor="ctr"/>
+          <a:lstStyle/>
+          <a:p>
+            <a:pPr algn="ctr"/>
+            <a:r>
+              <a:rPr lang="en-US" dirty="0" smtClean="0"/>
+              <a:t>Update UI</a:t>
+            </a:r>
+            <a:endParaRPr lang="en-US" dirty="0"/>
+          </a:p>
+        </p:txBody>
+      </p:sp>
+      <p:cxnSp>
+        <p:nvCxnSpPr>
+          <p:cNvPr id="23" name="Straight Arrow Connector 22"/>
+          <p:cNvCxnSpPr>
+            <a:stCxn id="13" idx="2"/>
+            <a:endCxn id="16" idx="0"/>
+          </p:cNvCxnSpPr>
+          <p:nvPr/>
+        </p:nvCxnSpPr>
+        <p:spPr>
+          <a:xfrm>
+            <a:off x="4305300" y="1295400"/>
+            <a:ext cx="0" cy="685800"/>
+          </a:xfrm>
+          <a:prstGeom prst="straightConnector1">
+            <a:avLst/>
+          </a:prstGeom>
+          <a:ln>
+            <a:tailEnd type="arrow"/>
+          </a:ln>
+        </p:spPr>
+        <p:style>
+          <a:lnRef idx="1">
+            <a:schemeClr val="accent1"/>
+          </a:lnRef>
+          <a:fillRef idx="0">
+            <a:schemeClr val="accent1"/>
+          </a:fillRef>
+          <a:effectRef idx="0">
+            <a:schemeClr val="accent1"/>
+          </a:effectRef>
+          <a:fontRef idx="minor">
+            <a:schemeClr val="tx1"/>
+          </a:fontRef>
+        </p:style>
+      </p:cxnSp>
+      <p:cxnSp>
+        <p:nvCxnSpPr>
+          <p:cNvPr id="27" name="Straight Arrow Connector 26"/>
+          <p:cNvCxnSpPr>
+            <a:stCxn id="17" idx="2"/>
+            <a:endCxn id="18" idx="0"/>
+          </p:cNvCxnSpPr>
+          <p:nvPr/>
+        </p:nvCxnSpPr>
+        <p:spPr>
+          <a:xfrm>
+            <a:off x="5524500" y="3200400"/>
+            <a:ext cx="0" cy="228600"/>
+          </a:xfrm>
+          <a:prstGeom prst="straightConnector1">
+            <a:avLst/>
+          </a:prstGeom>
+          <a:ln>
+            <a:tailEnd type="arrow"/>
+          </a:ln>
+        </p:spPr>
+        <p:style>
+          <a:lnRef idx="1">
+            <a:schemeClr val="accent1"/>
+          </a:lnRef>
+          <a:fillRef idx="0">
+            <a:schemeClr val="accent1"/>
+          </a:fillRef>
+          <a:effectRef idx="0">
+            <a:schemeClr val="accent1"/>
+          </a:effectRef>
+          <a:fontRef idx="minor">
+            <a:schemeClr val="tx1"/>
+          </a:fontRef>
+        </p:style>
+      </p:cxnSp>
+      <p:cxnSp>
+        <p:nvCxnSpPr>
+          <p:cNvPr id="32" name="Elbow Connector 31"/>
+          <p:cNvCxnSpPr>
+            <a:stCxn id="16" idx="2"/>
+            <a:endCxn id="17" idx="0"/>
+          </p:cNvCxnSpPr>
+          <p:nvPr/>
+        </p:nvCxnSpPr>
+        <p:spPr>
+          <a:xfrm rot="16200000" flipH="1">
+            <a:off x="4686300" y="2057400"/>
+            <a:ext cx="457200" cy="1219200"/>
+          </a:xfrm>
+          <a:prstGeom prst="bentConnector3">
+            <a:avLst>
+              <a:gd name="adj1" fmla="val 50000"/>
+            </a:avLst>
+          </a:prstGeom>
+          <a:ln>
+            <a:tailEnd type="arrow"/>
+          </a:ln>
+        </p:spPr>
+        <p:style>
+          <a:lnRef idx="1">
+            <a:schemeClr val="accent1"/>
+          </a:lnRef>
+          <a:fillRef idx="0">
+            <a:schemeClr val="accent1"/>
+          </a:fillRef>
+          <a:effectRef idx="0">
+            <a:schemeClr val="accent1"/>
+          </a:effectRef>
+          <a:fontRef idx="minor">
+            <a:schemeClr val="tx1"/>
+          </a:fontRef>
+        </p:style>
+      </p:cxnSp>
+      <p:cxnSp>
+        <p:nvCxnSpPr>
+          <p:cNvPr id="34" name="Shape 33"/>
+          <p:cNvCxnSpPr>
+            <a:stCxn id="18" idx="3"/>
+            <a:endCxn id="20" idx="2"/>
+          </p:cNvCxnSpPr>
+          <p:nvPr/>
+        </p:nvCxnSpPr>
+        <p:spPr>
+          <a:xfrm flipV="1">
+            <a:off x="6858000" y="2438400"/>
+            <a:ext cx="647700" cy="1143000"/>
+          </a:xfrm>
+          <a:prstGeom prst="bentConnector2">
+            <a:avLst/>
+          </a:prstGeom>
+          <a:ln>
+            <a:tailEnd type="arrow"/>
+          </a:ln>
+        </p:spPr>
+        <p:style>
+          <a:lnRef idx="1">
+            <a:schemeClr val="accent1"/>
+          </a:lnRef>
+          <a:fillRef idx="0">
+            <a:schemeClr val="accent1"/>
+          </a:fillRef>
+          <a:effectRef idx="0">
+            <a:schemeClr val="accent1"/>
+          </a:effectRef>
+          <a:fontRef idx="minor">
+            <a:schemeClr val="tx1"/>
+          </a:fontRef>
+        </p:style>
+      </p:cxnSp>
+      <p:cxnSp>
+        <p:nvCxnSpPr>
+          <p:cNvPr id="36" name="Straight Arrow Connector 35"/>
+          <p:cNvCxnSpPr>
+            <a:stCxn id="20" idx="0"/>
+            <a:endCxn id="21" idx="2"/>
+          </p:cNvCxnSpPr>
+          <p:nvPr/>
+        </p:nvCxnSpPr>
+        <p:spPr>
+          <a:xfrm flipV="1">
+            <a:off x="7505700" y="1295400"/>
+            <a:ext cx="0" cy="685800"/>
+          </a:xfrm>
+          <a:prstGeom prst="straightConnector1">
+            <a:avLst/>
+          </a:prstGeom>
+          <a:ln>
+            <a:tailEnd type="arrow"/>
+          </a:ln>
+        </p:spPr>
+        <p:style>
+          <a:lnRef idx="1">
+            <a:schemeClr val="accent1"/>
+          </a:lnRef>
+          <a:fillRef idx="0">
+            <a:schemeClr val="accent1"/>
+          </a:fillRef>
+          <a:effectRef idx="0">
+            <a:schemeClr val="accent1"/>
+          </a:effectRef>
+          <a:fontRef idx="minor">
+            <a:schemeClr val="tx1"/>
+          </a:fontRef>
+        </p:style>
+      </p:cxnSp>
+      <p:sp>
+        <p:nvSpPr>
+          <p:cNvPr id="37" name="Oval 36"/>
+          <p:cNvSpPr/>
+          <p:nvPr/>
+        </p:nvSpPr>
+        <p:spPr>
+          <a:xfrm>
+            <a:off x="3581400" y="2590800"/>
+            <a:ext cx="3962400" cy="2057400"/>
+          </a:xfrm>
+          <a:prstGeom prst="ellipse">
+            <a:avLst/>
+          </a:prstGeom>
+          <a:noFill/>
+        </p:spPr>
+        <p:style>
+          <a:lnRef idx="2">
+            <a:schemeClr val="accent1">
+              <a:shade val="50000"/>
+            </a:schemeClr>
+          </a:lnRef>
+          <a:fillRef idx="1">
+            <a:schemeClr val="accent1"/>
+          </a:fillRef>
+          <a:effectRef idx="0">
+            <a:schemeClr val="accent1"/>
+          </a:effectRef>
+          <a:fontRef idx="minor">
+            <a:schemeClr val="lt1"/>
+          </a:fontRef>
+        </p:style>
+        <p:txBody>
+          <a:bodyPr rtlCol="0" anchor="ctr"/>
+          <a:lstStyle/>
+          <a:p>
+            <a:pPr algn="ctr"/>
+            <a:endParaRPr lang="en-US"/>
+          </a:p>
+        </p:txBody>
+      </p:sp>
+      <p:cxnSp>
+        <p:nvCxnSpPr>
+          <p:cNvPr id="24" name="Straight Connector 23"/>
+          <p:cNvCxnSpPr/>
+          <p:nvPr/>
+        </p:nvCxnSpPr>
+        <p:spPr>
+          <a:xfrm>
+            <a:off x="533400" y="4800600"/>
+            <a:ext cx="8229600" cy="0"/>
+          </a:xfrm>
+          <a:prstGeom prst="line">
+            <a:avLst/>
+          </a:prstGeom>
+        </p:spPr>
+        <p:style>
+          <a:lnRef idx="1">
+            <a:schemeClr val="accent1"/>
+          </a:lnRef>
+          <a:fillRef idx="0">
+            <a:schemeClr val="accent1"/>
+          </a:fillRef>
+          <a:effectRef idx="0">
+            <a:schemeClr val="accent1"/>
+          </a:effectRef>
+          <a:fontRef idx="minor">
+            <a:schemeClr val="tx1"/>
+          </a:fontRef>
+        </p:style>
+      </p:cxnSp>
+      <p:sp>
+        <p:nvSpPr>
+          <p:cNvPr id="25" name="TextBox 24"/>
+          <p:cNvSpPr txBox="1"/>
+          <p:nvPr/>
+        </p:nvSpPr>
+        <p:spPr>
+          <a:xfrm>
+            <a:off x="1066800" y="5181600"/>
+            <a:ext cx="1114279" cy="369332"/>
+          </a:xfrm>
+          <a:prstGeom prst="rect">
+            <a:avLst/>
+          </a:prstGeom>
+          <a:noFill/>
+        </p:spPr>
+        <p:txBody>
+          <a:bodyPr wrap="none" rtlCol="0">
+            <a:spAutoFit/>
+          </a:bodyPr>
+          <a:lstStyle/>
+          <a:p>
+            <a:r>
+              <a:rPr lang="en-US" altLang="zh-CN" dirty="0" smtClean="0"/>
+              <a:t>Data Base</a:t>
+            </a:r>
+            <a:endParaRPr lang="en-US" dirty="0"/>
+          </a:p>
+        </p:txBody>
+      </p:sp>
+      <p:sp>
+        <p:nvSpPr>
+          <p:cNvPr id="26" name="Rectangle 25"/>
+          <p:cNvSpPr/>
+          <p:nvPr/>
+        </p:nvSpPr>
+        <p:spPr>
+          <a:xfrm>
+            <a:off x="4191000" y="5257800"/>
+            <a:ext cx="2667000" cy="304800"/>
+          </a:xfrm>
+          <a:prstGeom prst="rect">
+            <a:avLst/>
+          </a:prstGeom>
+        </p:spPr>
+        <p:style>
+          <a:lnRef idx="2">
+            <a:schemeClr val="accent1">
+              <a:shade val="50000"/>
+            </a:schemeClr>
+          </a:lnRef>
+          <a:fillRef idx="1">
+            <a:schemeClr val="accent1"/>
+          </a:fillRef>
+          <a:effectRef idx="0">
+            <a:schemeClr val="accent1"/>
+          </a:effectRef>
+          <a:fontRef idx="minor">
+            <a:schemeClr val="lt1"/>
+          </a:fontRef>
+        </p:style>
+        <p:txBody>
+          <a:bodyPr rtlCol="0" anchor="ctr"/>
+          <a:lstStyle/>
+          <a:p>
+            <a:pPr algn="ctr"/>
+            <a:r>
+              <a:rPr lang="en-US" dirty="0" smtClean="0"/>
+              <a:t>Data Base</a:t>
+            </a:r>
+            <a:endParaRPr lang="en-US" dirty="0"/>
+          </a:p>
+        </p:txBody>
+      </p:sp>
+      <p:cxnSp>
+        <p:nvCxnSpPr>
+          <p:cNvPr id="29" name="Straight Arrow Connector 28"/>
+          <p:cNvCxnSpPr>
+            <a:stCxn id="19" idx="2"/>
+            <a:endCxn id="26" idx="0"/>
+          </p:cNvCxnSpPr>
+          <p:nvPr/>
+        </p:nvCxnSpPr>
+        <p:spPr>
+          <a:xfrm>
+            <a:off x="5524500" y="4419600"/>
+            <a:ext cx="0" cy="838200"/>
+          </a:xfrm>
+          <a:prstGeom prst="straightConnector1">
+            <a:avLst/>
+          </a:prstGeom>
+          <a:ln>
+            <a:headEnd type="arrow"/>
+            <a:tailEnd type="arrow"/>
+          </a:ln>
+        </p:spPr>
+        <p:style>
+          <a:lnRef idx="1">
+            <a:schemeClr val="accent1"/>
+          </a:lnRef>
+          <a:fillRef idx="0">
+            <a:schemeClr val="accent1"/>
+          </a:fillRef>
+          <a:effectRef idx="0">
+            <a:schemeClr val="accent1"/>
+          </a:effectRef>
+          <a:fontRef idx="minor">
+            <a:schemeClr val="tx1"/>
+          </a:fontRef>
+        </p:style>
+      </p:cxnSp>
     </p:spTree>
   </p:cSld>
   <p:clrMapOvr>
